--- a/docs/slides/初探方向.pptx
+++ b/docs/slides/初探方向.pptx
@@ -265,7 +265,7 @@
           <a:p>
             <a:fld id="{FD384E5B-0B7C-A143-A087-04B582FC4BEF}" type="datetimeFigureOut">
               <a:rPr kumimoji="1" lang="zh-CN" altLang="en-US" smtClean="0"/>
-              <a:t>2022/12/1</a:t>
+              <a:t>2022/12/16</a:t>
             </a:fld>
             <a:endParaRPr kumimoji="1" lang="zh-CN" altLang="en-US"/>
           </a:p>
@@ -430,7 +430,7 @@
           <a:p>
             <a:fld id="{A2D7DB94-E0DE-4F0F-A9B7-54654CD8C8B1}" type="datetimeFigureOut">
               <a:rPr lang="zh-CN" altLang="en-US" smtClean="0"/>
-              <a:t>2022/11/30</a:t>
+              <a:t>2022/12/16</a:t>
             </a:fld>
             <a:endParaRPr lang="zh-CN" altLang="en-US"/>
           </a:p>
@@ -7972,7 +7972,7 @@
           <a:p>
             <a:pPr algn="ctr"/>
             <a:r>
-              <a:rPr lang="en-US" altLang="zh-CN"/>
+              <a:rPr lang="en-US" altLang="zh-CN" dirty="0"/>
               <a:t>Th 4</a:t>
             </a:r>
             <a:endParaRPr lang="zh-CN" altLang="en-US" dirty="0"/>
@@ -8064,7 +8064,7 @@
             <a:pPr algn="ctr"/>
             <a:r>
               <a:rPr lang="en-US" altLang="zh-CN" dirty="0" err="1"/>
-              <a:t>BlockTail</a:t>
+              <a:t>CoreTail</a:t>
             </a:r>
             <a:r>
               <a:rPr lang="en-US" altLang="zh-CN" dirty="0"/>
@@ -8320,6 +8320,7 @@
             </a:extLst>
           </p:cNvPr>
           <p:cNvCxnSpPr>
+            <a:cxnSpLocks/>
             <a:stCxn id="8" idx="2"/>
             <a:endCxn id="41" idx="0"/>
           </p:cNvCxnSpPr>
@@ -8362,6 +8363,7 @@
             </a:extLst>
           </p:cNvPr>
           <p:cNvCxnSpPr>
+            <a:cxnSpLocks/>
             <a:stCxn id="10" idx="2"/>
             <a:endCxn id="42" idx="0"/>
           </p:cNvCxnSpPr>
@@ -9354,7 +9356,7 @@
             </a:r>
             <a:r>
               <a:rPr lang="en-US" altLang="zh-CN" dirty="0"/>
-              <a:t>[3]</a:t>
+              <a:t>[k]</a:t>
             </a:r>
             <a:endParaRPr lang="zh-CN" altLang="en-US" dirty="0"/>
           </a:p>
@@ -9480,8 +9482,12 @@
               <a:t>新节点原子操作</a:t>
             </a:r>
             <a:r>
+              <a:rPr lang="en-US" altLang="zh-CN" dirty="0" err="1"/>
+              <a:t>CoreTail</a:t>
+            </a:r>
+            <a:r>
               <a:rPr lang="en-US" altLang="zh-CN" dirty="0"/>
-              <a:t>Core[k]</a:t>
+              <a:t>[k]</a:t>
             </a:r>
             <a:r>
               <a:rPr lang="zh-CN" altLang="en-US" dirty="0"/>
@@ -9868,7 +9874,7 @@
           <a:noFill/>
           <a:extLst>
             <a:ext uri="{909E8E84-426E-40dd-AFC4-6F175D3DCCD1}">
-              <a14:hiddenFill xmlns="" xmlns:a14="http://schemas.microsoft.com/office/drawing/2010/main">
+              <a14:hiddenFill xmlns:a14="http://schemas.microsoft.com/office/drawing/2010/main" xmlns="">
                 <a:solidFill>
                   <a:srgbClr val="FFFFFF"/>
                 </a:solidFill>
